--- a/website/static/files/images for website.pptx
+++ b/website/static/files/images for website.pptx
@@ -9,9 +9,11 @@
     <p:sldId id="257" r:id="rId3"/>
     <p:sldId id="258" r:id="rId4"/>
     <p:sldId id="259" r:id="rId5"/>
-    <p:sldId id="260" r:id="rId6"/>
-    <p:sldId id="261" r:id="rId7"/>
-    <p:sldId id="263" r:id="rId8"/>
+    <p:sldId id="264" r:id="rId6"/>
+    <p:sldId id="260" r:id="rId7"/>
+    <p:sldId id="261" r:id="rId8"/>
+    <p:sldId id="263" r:id="rId9"/>
+    <p:sldId id="265" r:id="rId10"/>
   </p:sldIdLst>
   <p:sldSz cx="12192000" cy="6858000"/>
   <p:notesSz cx="6858000" cy="9144000"/>
@@ -29594,7 +29596,7 @@
           <a:p>
             <a:fld id="{452A0076-6FA1-4F5A-8EAE-52E21E75B441}" type="datetimeFigureOut">
               <a:rPr lang="cs-CZ" smtClean="0"/>
-              <a:t>22.03.2024</a:t>
+              <a:t>04.10.2024</a:t>
             </a:fld>
             <a:endParaRPr lang="cs-CZ"/>
           </a:p>
@@ -29792,7 +29794,7 @@
           <a:p>
             <a:fld id="{452A0076-6FA1-4F5A-8EAE-52E21E75B441}" type="datetimeFigureOut">
               <a:rPr lang="cs-CZ" smtClean="0"/>
-              <a:t>22.03.2024</a:t>
+              <a:t>04.10.2024</a:t>
             </a:fld>
             <a:endParaRPr lang="cs-CZ"/>
           </a:p>
@@ -30000,7 +30002,7 @@
           <a:p>
             <a:fld id="{452A0076-6FA1-4F5A-8EAE-52E21E75B441}" type="datetimeFigureOut">
               <a:rPr lang="cs-CZ" smtClean="0"/>
-              <a:t>22.03.2024</a:t>
+              <a:t>04.10.2024</a:t>
             </a:fld>
             <a:endParaRPr lang="cs-CZ"/>
           </a:p>
@@ -30198,7 +30200,7 @@
           <a:p>
             <a:fld id="{452A0076-6FA1-4F5A-8EAE-52E21E75B441}" type="datetimeFigureOut">
               <a:rPr lang="cs-CZ" smtClean="0"/>
-              <a:t>22.03.2024</a:t>
+              <a:t>04.10.2024</a:t>
             </a:fld>
             <a:endParaRPr lang="cs-CZ"/>
           </a:p>
@@ -30473,7 +30475,7 @@
           <a:p>
             <a:fld id="{452A0076-6FA1-4F5A-8EAE-52E21E75B441}" type="datetimeFigureOut">
               <a:rPr lang="cs-CZ" smtClean="0"/>
-              <a:t>22.03.2024</a:t>
+              <a:t>04.10.2024</a:t>
             </a:fld>
             <a:endParaRPr lang="cs-CZ"/>
           </a:p>
@@ -30738,7 +30740,7 @@
           <a:p>
             <a:fld id="{452A0076-6FA1-4F5A-8EAE-52E21E75B441}" type="datetimeFigureOut">
               <a:rPr lang="cs-CZ" smtClean="0"/>
-              <a:t>22.03.2024</a:t>
+              <a:t>04.10.2024</a:t>
             </a:fld>
             <a:endParaRPr lang="cs-CZ"/>
           </a:p>
@@ -31150,7 +31152,7 @@
           <a:p>
             <a:fld id="{452A0076-6FA1-4F5A-8EAE-52E21E75B441}" type="datetimeFigureOut">
               <a:rPr lang="cs-CZ" smtClean="0"/>
-              <a:t>22.03.2024</a:t>
+              <a:t>04.10.2024</a:t>
             </a:fld>
             <a:endParaRPr lang="cs-CZ"/>
           </a:p>
@@ -31291,7 +31293,7 @@
           <a:p>
             <a:fld id="{452A0076-6FA1-4F5A-8EAE-52E21E75B441}" type="datetimeFigureOut">
               <a:rPr lang="cs-CZ" smtClean="0"/>
-              <a:t>22.03.2024</a:t>
+              <a:t>04.10.2024</a:t>
             </a:fld>
             <a:endParaRPr lang="cs-CZ"/>
           </a:p>
@@ -31404,7 +31406,7 @@
           <a:p>
             <a:fld id="{452A0076-6FA1-4F5A-8EAE-52E21E75B441}" type="datetimeFigureOut">
               <a:rPr lang="cs-CZ" smtClean="0"/>
-              <a:t>22.03.2024</a:t>
+              <a:t>04.10.2024</a:t>
             </a:fld>
             <a:endParaRPr lang="cs-CZ"/>
           </a:p>
@@ -31715,7 +31717,7 @@
           <a:p>
             <a:fld id="{452A0076-6FA1-4F5A-8EAE-52E21E75B441}" type="datetimeFigureOut">
               <a:rPr lang="cs-CZ" smtClean="0"/>
-              <a:t>22.03.2024</a:t>
+              <a:t>04.10.2024</a:t>
             </a:fld>
             <a:endParaRPr lang="cs-CZ"/>
           </a:p>
@@ -32003,7 +32005,7 @@
           <a:p>
             <a:fld id="{452A0076-6FA1-4F5A-8EAE-52E21E75B441}" type="datetimeFigureOut">
               <a:rPr lang="cs-CZ" smtClean="0"/>
-              <a:t>22.03.2024</a:t>
+              <a:t>04.10.2024</a:t>
             </a:fld>
             <a:endParaRPr lang="cs-CZ"/>
           </a:p>
@@ -32244,7 +32246,7 @@
           <a:p>
             <a:fld id="{452A0076-6FA1-4F5A-8EAE-52E21E75B441}" type="datetimeFigureOut">
               <a:rPr lang="cs-CZ" smtClean="0"/>
-              <a:t>22.03.2024</a:t>
+              <a:t>04.10.2024</a:t>
             </a:fld>
             <a:endParaRPr lang="cs-CZ"/>
           </a:p>
@@ -35286,13 +35288,13 @@
           <p:nvPr>
             <p:extLst>
               <p:ext uri="{D42A27DB-BD31-4B8C-83A1-F6EECF244321}">
-                <p14:modId xmlns:p14="http://schemas.microsoft.com/office/powerpoint/2010/main" val="1419320553"/>
+                <p14:modId xmlns:p14="http://schemas.microsoft.com/office/powerpoint/2010/main" val="3517492939"/>
               </p:ext>
             </p:extLst>
           </p:nvPr>
         </p:nvGraphicFramePr>
         <p:xfrm>
-          <a:off x="1532171" y="2270405"/>
+          <a:off x="4336870" y="1750494"/>
           <a:ext cx="3268723" cy="2452655"/>
         </p:xfrm>
         <a:graphic>
@@ -35315,6 +35317,199 @@
 </file>
 
 <file path=ppt/slides/slide5.xml><?xml version="1.0" encoding="utf-8"?>
+<p:sld xmlns:a="http://schemas.openxmlformats.org/drawingml/2006/main" xmlns:r="http://schemas.openxmlformats.org/officeDocument/2006/relationships" xmlns:p="http://schemas.openxmlformats.org/presentationml/2006/main">
+  <p:cSld>
+    <p:spTree>
+      <p:nvGrpSpPr>
+        <p:cNvPr id="1" name=""/>
+        <p:cNvGrpSpPr/>
+        <p:nvPr/>
+      </p:nvGrpSpPr>
+      <p:grpSpPr>
+        <a:xfrm>
+          <a:off x="0" y="0"/>
+          <a:ext cx="0" cy="0"/>
+          <a:chOff x="0" y="0"/>
+          <a:chExt cx="0" cy="0"/>
+        </a:xfrm>
+      </p:grpSpPr>
+      <p:pic>
+        <p:nvPicPr>
+          <p:cNvPr id="6" name="Obrázek 5">
+            <a:extLst>
+              <a:ext uri="{FF2B5EF4-FFF2-40B4-BE49-F238E27FC236}">
+                <a16:creationId xmlns:a16="http://schemas.microsoft.com/office/drawing/2014/main" id="{EB4D5A4C-8006-467B-87AF-F4A59A3A9F5F}"/>
+              </a:ext>
+            </a:extLst>
+          </p:cNvPr>
+          <p:cNvPicPr>
+            <a:picLocks noChangeAspect="1"/>
+          </p:cNvPicPr>
+          <p:nvPr/>
+        </p:nvPicPr>
+        <p:blipFill>
+          <a:blip r:embed="rId2"/>
+          <a:stretch>
+            <a:fillRect/>
+          </a:stretch>
+        </p:blipFill>
+        <p:spPr>
+          <a:xfrm>
+            <a:off x="7663121" y="618028"/>
+            <a:ext cx="3407959" cy="2737341"/>
+          </a:xfrm>
+          <a:prstGeom prst="rect">
+            <a:avLst/>
+          </a:prstGeom>
+        </p:spPr>
+      </p:pic>
+      <p:grpSp>
+        <p:nvGrpSpPr>
+          <p:cNvPr id="9" name="Skupina 8">
+            <a:extLst>
+              <a:ext uri="{FF2B5EF4-FFF2-40B4-BE49-F238E27FC236}">
+                <a16:creationId xmlns:a16="http://schemas.microsoft.com/office/drawing/2014/main" id="{8E058744-9D95-499A-8500-5FC349233E39}"/>
+              </a:ext>
+            </a:extLst>
+          </p:cNvPr>
+          <p:cNvGrpSpPr/>
+          <p:nvPr/>
+        </p:nvGrpSpPr>
+        <p:grpSpPr>
+          <a:xfrm>
+            <a:off x="7663121" y="3502632"/>
+            <a:ext cx="3409948" cy="3186260"/>
+            <a:chOff x="3868651" y="3591612"/>
+            <a:chExt cx="3409948" cy="3186260"/>
+          </a:xfrm>
+        </p:grpSpPr>
+        <p:sp>
+          <p:nvSpPr>
+            <p:cNvPr id="8" name="Obdélník 7">
+              <a:extLst>
+                <a:ext uri="{FF2B5EF4-FFF2-40B4-BE49-F238E27FC236}">
+                  <a16:creationId xmlns:a16="http://schemas.microsoft.com/office/drawing/2014/main" id="{692BBE11-39DF-4739-A883-1792DA2D3681}"/>
+                </a:ext>
+              </a:extLst>
+            </p:cNvPr>
+            <p:cNvSpPr/>
+            <p:nvPr/>
+          </p:nvSpPr>
+          <p:spPr>
+            <a:xfrm>
+              <a:off x="3868651" y="3591612"/>
+              <a:ext cx="3409948" cy="3186260"/>
+            </a:xfrm>
+            <a:prstGeom prst="rect">
+              <a:avLst/>
+            </a:prstGeom>
+            <a:solidFill>
+              <a:schemeClr val="tx1"/>
+            </a:solidFill>
+            <a:ln>
+              <a:noFill/>
+            </a:ln>
+          </p:spPr>
+          <p:style>
+            <a:lnRef idx="2">
+              <a:schemeClr val="accent1">
+                <a:shade val="50000"/>
+              </a:schemeClr>
+            </a:lnRef>
+            <a:fillRef idx="1">
+              <a:schemeClr val="accent1"/>
+            </a:fillRef>
+            <a:effectRef idx="0">
+              <a:schemeClr val="accent1"/>
+            </a:effectRef>
+            <a:fontRef idx="minor">
+              <a:schemeClr val="lt1"/>
+            </a:fontRef>
+          </p:style>
+          <p:txBody>
+            <a:bodyPr rtlCol="0" anchor="ctr"/>
+            <a:lstStyle/>
+            <a:p>
+              <a:pPr algn="ctr"/>
+              <a:endParaRPr lang="cs-CZ"/>
+            </a:p>
+          </p:txBody>
+        </p:sp>
+        <p:pic>
+          <p:nvPicPr>
+            <p:cNvPr id="7" name="Obrázek 6">
+              <a:extLst>
+                <a:ext uri="{FF2B5EF4-FFF2-40B4-BE49-F238E27FC236}">
+                  <a16:creationId xmlns:a16="http://schemas.microsoft.com/office/drawing/2014/main" id="{20F0E6F2-80C7-460F-8B5C-979FD2E2A4C7}"/>
+                </a:ext>
+              </a:extLst>
+            </p:cNvPr>
+            <p:cNvPicPr>
+              <a:picLocks noChangeAspect="1"/>
+            </p:cNvPicPr>
+            <p:nvPr/>
+          </p:nvPicPr>
+          <p:blipFill>
+            <a:blip r:embed="rId3"/>
+            <a:stretch>
+              <a:fillRect/>
+            </a:stretch>
+          </p:blipFill>
+          <p:spPr>
+            <a:xfrm>
+              <a:off x="4101561" y="3820041"/>
+              <a:ext cx="2944125" cy="2724687"/>
+            </a:xfrm>
+            <a:prstGeom prst="rect">
+              <a:avLst/>
+            </a:prstGeom>
+          </p:spPr>
+        </p:pic>
+      </p:grpSp>
+      <p:pic>
+        <p:nvPicPr>
+          <p:cNvPr id="10" name="Obrázek 9">
+            <a:extLst>
+              <a:ext uri="{FF2B5EF4-FFF2-40B4-BE49-F238E27FC236}">
+                <a16:creationId xmlns:a16="http://schemas.microsoft.com/office/drawing/2014/main" id="{32073E1B-8538-401F-91E5-4018D796A310}"/>
+              </a:ext>
+            </a:extLst>
+          </p:cNvPr>
+          <p:cNvPicPr>
+            <a:picLocks noChangeAspect="1"/>
+          </p:cNvPicPr>
+          <p:nvPr/>
+        </p:nvPicPr>
+        <p:blipFill>
+          <a:blip r:embed="rId3"/>
+          <a:stretch>
+            <a:fillRect/>
+          </a:stretch>
+        </p:blipFill>
+        <p:spPr>
+          <a:xfrm>
+            <a:off x="4204268" y="3723991"/>
+            <a:ext cx="2944125" cy="2724687"/>
+          </a:xfrm>
+          <a:prstGeom prst="rect">
+            <a:avLst/>
+          </a:prstGeom>
+        </p:spPr>
+      </p:pic>
+    </p:spTree>
+    <p:extLst>
+      <p:ext uri="{BB962C8B-B14F-4D97-AF65-F5344CB8AC3E}">
+        <p14:creationId xmlns:p14="http://schemas.microsoft.com/office/powerpoint/2010/main" val="996818167"/>
+      </p:ext>
+    </p:extLst>
+  </p:cSld>
+  <p:clrMapOvr>
+    <a:masterClrMapping/>
+  </p:clrMapOvr>
+</p:sld>
+</file>
+
+<file path=ppt/slides/slide6.xml><?xml version="1.0" encoding="utf-8"?>
 <p:sld xmlns:a="http://schemas.openxmlformats.org/drawingml/2006/main" xmlns:r="http://schemas.openxmlformats.org/officeDocument/2006/relationships" xmlns:p="http://schemas.openxmlformats.org/presentationml/2006/main">
   <p:cSld>
     <p:spTree>
@@ -37583,7 +37778,7 @@
 </p:sld>
 </file>
 
-<file path=ppt/slides/slide6.xml><?xml version="1.0" encoding="utf-8"?>
+<file path=ppt/slides/slide7.xml><?xml version="1.0" encoding="utf-8"?>
 <p:sld xmlns:a="http://schemas.openxmlformats.org/drawingml/2006/main" xmlns:r="http://schemas.openxmlformats.org/officeDocument/2006/relationships" xmlns:p="http://schemas.openxmlformats.org/presentationml/2006/main">
   <p:cSld>
     <p:spTree>
@@ -38328,7 +38523,7 @@
 </p:sld>
 </file>
 
-<file path=ppt/slides/slide7.xml><?xml version="1.0" encoding="utf-8"?>
+<file path=ppt/slides/slide8.xml><?xml version="1.0" encoding="utf-8"?>
 <p:sld xmlns:a="http://schemas.openxmlformats.org/drawingml/2006/main" xmlns:r="http://schemas.openxmlformats.org/officeDocument/2006/relationships" xmlns:p="http://schemas.openxmlformats.org/presentationml/2006/main">
   <p:cSld>
     <p:spTree>
@@ -38601,6 +38796,188 @@
     <p:extLst>
       <p:ext uri="{BB962C8B-B14F-4D97-AF65-F5344CB8AC3E}">
         <p14:creationId xmlns:p14="http://schemas.microsoft.com/office/powerpoint/2010/main" val="1682364339"/>
+      </p:ext>
+    </p:extLst>
+  </p:cSld>
+  <p:clrMapOvr>
+    <a:masterClrMapping/>
+  </p:clrMapOvr>
+</p:sld>
+</file>
+
+<file path=ppt/slides/slide9.xml><?xml version="1.0" encoding="utf-8"?>
+<p:sld xmlns:a="http://schemas.openxmlformats.org/drawingml/2006/main" xmlns:r="http://schemas.openxmlformats.org/officeDocument/2006/relationships" xmlns:p="http://schemas.openxmlformats.org/presentationml/2006/main">
+  <p:cSld>
+    <p:spTree>
+      <p:nvGrpSpPr>
+        <p:cNvPr id="1" name=""/>
+        <p:cNvGrpSpPr/>
+        <p:nvPr/>
+      </p:nvGrpSpPr>
+      <p:grpSpPr>
+        <a:xfrm>
+          <a:off x="0" y="0"/>
+          <a:ext cx="0" cy="0"/>
+          <a:chOff x="0" y="0"/>
+          <a:chExt cx="0" cy="0"/>
+        </a:xfrm>
+      </p:grpSpPr>
+      <p:grpSp>
+        <p:nvGrpSpPr>
+          <p:cNvPr id="2" name="Skupina 1">
+            <a:extLst>
+              <a:ext uri="{FF2B5EF4-FFF2-40B4-BE49-F238E27FC236}">
+                <a16:creationId xmlns:a16="http://schemas.microsoft.com/office/drawing/2014/main" id="{3E9E8C2B-EACB-4365-B042-29DFAB64B5BA}"/>
+              </a:ext>
+            </a:extLst>
+          </p:cNvPr>
+          <p:cNvGrpSpPr/>
+          <p:nvPr/>
+        </p:nvGrpSpPr>
+        <p:grpSpPr>
+          <a:xfrm>
+            <a:off x="3114675" y="447675"/>
+            <a:ext cx="5962650" cy="5962650"/>
+            <a:chOff x="3114675" y="447675"/>
+            <a:chExt cx="5962650" cy="5962650"/>
+          </a:xfrm>
+        </p:grpSpPr>
+        <p:pic>
+          <p:nvPicPr>
+            <p:cNvPr id="4" name="Obrázek 3">
+              <a:extLst>
+                <a:ext uri="{FF2B5EF4-FFF2-40B4-BE49-F238E27FC236}">
+                  <a16:creationId xmlns:a16="http://schemas.microsoft.com/office/drawing/2014/main" id="{B2AE0474-E9EB-447A-AA4A-E300A5D59AE0}"/>
+                </a:ext>
+              </a:extLst>
+            </p:cNvPr>
+            <p:cNvPicPr>
+              <a:picLocks noChangeAspect="1"/>
+            </p:cNvPicPr>
+            <p:nvPr/>
+          </p:nvPicPr>
+          <p:blipFill>
+            <a:blip r:embed="rId2"/>
+            <a:stretch>
+              <a:fillRect/>
+            </a:stretch>
+          </p:blipFill>
+          <p:spPr>
+            <a:xfrm>
+              <a:off x="3114675" y="447675"/>
+              <a:ext cx="5962650" cy="5962650"/>
+            </a:xfrm>
+            <a:prstGeom prst="rect">
+              <a:avLst/>
+            </a:prstGeom>
+          </p:spPr>
+        </p:pic>
+        <p:sp>
+          <p:nvSpPr>
+            <p:cNvPr id="6" name="Kosoúhelník 5">
+              <a:extLst>
+                <a:ext uri="{FF2B5EF4-FFF2-40B4-BE49-F238E27FC236}">
+                  <a16:creationId xmlns:a16="http://schemas.microsoft.com/office/drawing/2014/main" id="{5E5B62A4-A4E2-49AA-9B0A-75E45ABDE446}"/>
+                </a:ext>
+              </a:extLst>
+            </p:cNvPr>
+            <p:cNvSpPr/>
+            <p:nvPr/>
+          </p:nvSpPr>
+          <p:spPr>
+            <a:xfrm rot="428030">
+              <a:off x="5605866" y="1918530"/>
+              <a:ext cx="2158080" cy="623204"/>
+            </a:xfrm>
+            <a:prstGeom prst="parallelogram">
+              <a:avLst>
+                <a:gd name="adj" fmla="val 18011"/>
+              </a:avLst>
+            </a:prstGeom>
+            <a:solidFill>
+              <a:srgbClr val="D7D3A4"/>
+            </a:solidFill>
+            <a:ln>
+              <a:noFill/>
+            </a:ln>
+          </p:spPr>
+          <p:style>
+            <a:lnRef idx="2">
+              <a:schemeClr val="accent1">
+                <a:shade val="50000"/>
+              </a:schemeClr>
+            </a:lnRef>
+            <a:fillRef idx="1">
+              <a:schemeClr val="accent1"/>
+            </a:fillRef>
+            <a:effectRef idx="0">
+              <a:schemeClr val="accent1"/>
+            </a:effectRef>
+            <a:fontRef idx="minor">
+              <a:schemeClr val="lt1"/>
+            </a:fontRef>
+          </p:style>
+          <p:txBody>
+            <a:bodyPr rtlCol="0" anchor="ctr"/>
+            <a:lstStyle/>
+            <a:p>
+              <a:pPr algn="ctr"/>
+              <a:endParaRPr lang="cs-CZ"/>
+            </a:p>
+          </p:txBody>
+        </p:sp>
+        <p:sp>
+          <p:nvSpPr>
+            <p:cNvPr id="7" name="TextovéPole 6">
+              <a:extLst>
+                <a:ext uri="{FF2B5EF4-FFF2-40B4-BE49-F238E27FC236}">
+                  <a16:creationId xmlns:a16="http://schemas.microsoft.com/office/drawing/2014/main" id="{5E3F0246-0054-4BD2-8E3E-392F62C14CDA}"/>
+                </a:ext>
+              </a:extLst>
+            </p:cNvPr>
+            <p:cNvSpPr txBox="1"/>
+            <p:nvPr/>
+          </p:nvSpPr>
+          <p:spPr>
+            <a:xfrm rot="533050">
+              <a:off x="5944615" y="1749216"/>
+              <a:ext cx="1480581" cy="923330"/>
+            </a:xfrm>
+            <a:prstGeom prst="rect">
+              <a:avLst/>
+            </a:prstGeom>
+            <a:noFill/>
+          </p:spPr>
+          <p:txBody>
+            <a:bodyPr wrap="square" rtlCol="0">
+              <a:spAutoFit/>
+            </a:bodyPr>
+            <a:lstStyle/>
+            <a:p>
+              <a:pPr algn="ctr"/>
+              <a:r>
+                <a:rPr lang="en-US" sz="5400">
+                  <a:solidFill>
+                    <a:srgbClr val="002A8E"/>
+                  </a:solidFill>
+                  <a:latin typeface="Digital-7" panose="02000000000000000000" pitchFamily="2" charset="0"/>
+                </a:rPr>
+                <a:t>42</a:t>
+              </a:r>
+              <a:endParaRPr lang="cs-CZ" sz="5400">
+                <a:solidFill>
+                  <a:srgbClr val="002A8E"/>
+                </a:solidFill>
+                <a:latin typeface="Digital-7" panose="02000000000000000000" pitchFamily="2" charset="0"/>
+              </a:endParaRPr>
+            </a:p>
+          </p:txBody>
+        </p:sp>
+      </p:grpSp>
+    </p:spTree>
+    <p:extLst>
+      <p:ext uri="{BB962C8B-B14F-4D97-AF65-F5344CB8AC3E}">
+        <p14:creationId xmlns:p14="http://schemas.microsoft.com/office/powerpoint/2010/main" val="1713409779"/>
       </p:ext>
     </p:extLst>
   </p:cSld>

--- a/website/static/files/images for website.pptx
+++ b/website/static/files/images for website.pptx
@@ -14,6 +14,8 @@
     <p:sldId id="261" r:id="rId8"/>
     <p:sldId id="263" r:id="rId9"/>
     <p:sldId id="265" r:id="rId10"/>
+    <p:sldId id="266" r:id="rId11"/>
+    <p:sldId id="267" r:id="rId12"/>
   </p:sldIdLst>
   <p:sldSz cx="12192000" cy="6858000"/>
   <p:notesSz cx="6858000" cy="9144000"/>
@@ -29596,7 +29598,7 @@
           <a:p>
             <a:fld id="{452A0076-6FA1-4F5A-8EAE-52E21E75B441}" type="datetimeFigureOut">
               <a:rPr lang="cs-CZ" smtClean="0"/>
-              <a:t>04.10.2024</a:t>
+              <a:t>23.12.2024</a:t>
             </a:fld>
             <a:endParaRPr lang="cs-CZ"/>
           </a:p>
@@ -29794,7 +29796,7 @@
           <a:p>
             <a:fld id="{452A0076-6FA1-4F5A-8EAE-52E21E75B441}" type="datetimeFigureOut">
               <a:rPr lang="cs-CZ" smtClean="0"/>
-              <a:t>04.10.2024</a:t>
+              <a:t>23.12.2024</a:t>
             </a:fld>
             <a:endParaRPr lang="cs-CZ"/>
           </a:p>
@@ -30002,7 +30004,7 @@
           <a:p>
             <a:fld id="{452A0076-6FA1-4F5A-8EAE-52E21E75B441}" type="datetimeFigureOut">
               <a:rPr lang="cs-CZ" smtClean="0"/>
-              <a:t>04.10.2024</a:t>
+              <a:t>23.12.2024</a:t>
             </a:fld>
             <a:endParaRPr lang="cs-CZ"/>
           </a:p>
@@ -30200,7 +30202,7 @@
           <a:p>
             <a:fld id="{452A0076-6FA1-4F5A-8EAE-52E21E75B441}" type="datetimeFigureOut">
               <a:rPr lang="cs-CZ" smtClean="0"/>
-              <a:t>04.10.2024</a:t>
+              <a:t>23.12.2024</a:t>
             </a:fld>
             <a:endParaRPr lang="cs-CZ"/>
           </a:p>
@@ -30475,7 +30477,7 @@
           <a:p>
             <a:fld id="{452A0076-6FA1-4F5A-8EAE-52E21E75B441}" type="datetimeFigureOut">
               <a:rPr lang="cs-CZ" smtClean="0"/>
-              <a:t>04.10.2024</a:t>
+              <a:t>23.12.2024</a:t>
             </a:fld>
             <a:endParaRPr lang="cs-CZ"/>
           </a:p>
@@ -30740,7 +30742,7 @@
           <a:p>
             <a:fld id="{452A0076-6FA1-4F5A-8EAE-52E21E75B441}" type="datetimeFigureOut">
               <a:rPr lang="cs-CZ" smtClean="0"/>
-              <a:t>04.10.2024</a:t>
+              <a:t>23.12.2024</a:t>
             </a:fld>
             <a:endParaRPr lang="cs-CZ"/>
           </a:p>
@@ -31152,7 +31154,7 @@
           <a:p>
             <a:fld id="{452A0076-6FA1-4F5A-8EAE-52E21E75B441}" type="datetimeFigureOut">
               <a:rPr lang="cs-CZ" smtClean="0"/>
-              <a:t>04.10.2024</a:t>
+              <a:t>23.12.2024</a:t>
             </a:fld>
             <a:endParaRPr lang="cs-CZ"/>
           </a:p>
@@ -31293,7 +31295,7 @@
           <a:p>
             <a:fld id="{452A0076-6FA1-4F5A-8EAE-52E21E75B441}" type="datetimeFigureOut">
               <a:rPr lang="cs-CZ" smtClean="0"/>
-              <a:t>04.10.2024</a:t>
+              <a:t>23.12.2024</a:t>
             </a:fld>
             <a:endParaRPr lang="cs-CZ"/>
           </a:p>
@@ -31406,7 +31408,7 @@
           <a:p>
             <a:fld id="{452A0076-6FA1-4F5A-8EAE-52E21E75B441}" type="datetimeFigureOut">
               <a:rPr lang="cs-CZ" smtClean="0"/>
-              <a:t>04.10.2024</a:t>
+              <a:t>23.12.2024</a:t>
             </a:fld>
             <a:endParaRPr lang="cs-CZ"/>
           </a:p>
@@ -31717,7 +31719,7 @@
           <a:p>
             <a:fld id="{452A0076-6FA1-4F5A-8EAE-52E21E75B441}" type="datetimeFigureOut">
               <a:rPr lang="cs-CZ" smtClean="0"/>
-              <a:t>04.10.2024</a:t>
+              <a:t>23.12.2024</a:t>
             </a:fld>
             <a:endParaRPr lang="cs-CZ"/>
           </a:p>
@@ -32005,7 +32007,7 @@
           <a:p>
             <a:fld id="{452A0076-6FA1-4F5A-8EAE-52E21E75B441}" type="datetimeFigureOut">
               <a:rPr lang="cs-CZ" smtClean="0"/>
-              <a:t>04.10.2024</a:t>
+              <a:t>23.12.2024</a:t>
             </a:fld>
             <a:endParaRPr lang="cs-CZ"/>
           </a:p>
@@ -32246,7 +32248,7 @@
           <a:p>
             <a:fld id="{452A0076-6FA1-4F5A-8EAE-52E21E75B441}" type="datetimeFigureOut">
               <a:rPr lang="cs-CZ" smtClean="0"/>
-              <a:t>04.10.2024</a:t>
+              <a:t>23.12.2024</a:t>
             </a:fld>
             <a:endParaRPr lang="cs-CZ"/>
           </a:p>
@@ -33418,6 +33420,202 @@
     <p:extLst>
       <p:ext uri="{BB962C8B-B14F-4D97-AF65-F5344CB8AC3E}">
         <p14:creationId xmlns:p14="http://schemas.microsoft.com/office/powerpoint/2010/main" val="786019658"/>
+      </p:ext>
+    </p:extLst>
+  </p:cSld>
+  <p:clrMapOvr>
+    <a:masterClrMapping/>
+  </p:clrMapOvr>
+</p:sld>
+</file>
+
+<file path=ppt/slides/slide10.xml><?xml version="1.0" encoding="utf-8"?>
+<p:sld xmlns:a="http://schemas.openxmlformats.org/drawingml/2006/main" xmlns:r="http://schemas.openxmlformats.org/officeDocument/2006/relationships" xmlns:p="http://schemas.openxmlformats.org/presentationml/2006/main">
+  <p:cSld>
+    <p:bg>
+      <p:bgPr>
+        <a:solidFill>
+          <a:schemeClr val="tx1">
+            <a:lumMod val="50000"/>
+            <a:lumOff val="50000"/>
+          </a:schemeClr>
+        </a:solidFill>
+        <a:effectLst/>
+      </p:bgPr>
+    </p:bg>
+    <p:spTree>
+      <p:nvGrpSpPr>
+        <p:cNvPr id="1" name=""/>
+        <p:cNvGrpSpPr/>
+        <p:nvPr/>
+      </p:nvGrpSpPr>
+      <p:grpSpPr>
+        <a:xfrm>
+          <a:off x="0" y="0"/>
+          <a:ext cx="0" cy="0"/>
+          <a:chOff x="0" y="0"/>
+          <a:chExt cx="0" cy="0"/>
+        </a:xfrm>
+      </p:grpSpPr>
+      <p:pic>
+        <p:nvPicPr>
+          <p:cNvPr id="17" name="Grafický objekt 16">
+            <a:extLst>
+              <a:ext uri="{FF2B5EF4-FFF2-40B4-BE49-F238E27FC236}">
+                <a16:creationId xmlns:a16="http://schemas.microsoft.com/office/drawing/2014/main" id="{CC8055E2-0DA0-4FF6-A4EA-3BB5F7CA18E1}"/>
+              </a:ext>
+            </a:extLst>
+          </p:cNvPr>
+          <p:cNvPicPr>
+            <a:picLocks noChangeAspect="1"/>
+          </p:cNvPicPr>
+          <p:nvPr/>
+        </p:nvPicPr>
+        <p:blipFill>
+          <a:blip r:embed="rId2">
+            <a:extLst>
+              <a:ext uri="{96DAC541-7B7A-43D3-8B79-37D633B846F1}">
+                <asvg:svgBlip xmlns:asvg="http://schemas.microsoft.com/office/drawing/2016/SVG/main" r:embed="rId3"/>
+              </a:ext>
+            </a:extLst>
+          </a:blip>
+          <a:stretch>
+            <a:fillRect/>
+          </a:stretch>
+        </p:blipFill>
+        <p:spPr>
+          <a:xfrm>
+            <a:off x="2667000" y="1127961"/>
+            <a:ext cx="6858001" cy="4602079"/>
+          </a:xfrm>
+          <a:prstGeom prst="rect">
+            <a:avLst/>
+          </a:prstGeom>
+        </p:spPr>
+      </p:pic>
+    </p:spTree>
+    <p:extLst>
+      <p:ext uri="{BB962C8B-B14F-4D97-AF65-F5344CB8AC3E}">
+        <p14:creationId xmlns:p14="http://schemas.microsoft.com/office/powerpoint/2010/main" val="3384069047"/>
+      </p:ext>
+    </p:extLst>
+  </p:cSld>
+  <p:clrMapOvr>
+    <a:masterClrMapping/>
+  </p:clrMapOvr>
+</p:sld>
+</file>
+
+<file path=ppt/slides/slide11.xml><?xml version="1.0" encoding="utf-8"?>
+<p:sld xmlns:a="http://schemas.openxmlformats.org/drawingml/2006/main" xmlns:r="http://schemas.openxmlformats.org/officeDocument/2006/relationships" xmlns:p="http://schemas.openxmlformats.org/presentationml/2006/main">
+  <p:cSld>
+    <p:spTree>
+      <p:nvGrpSpPr>
+        <p:cNvPr id="1" name=""/>
+        <p:cNvGrpSpPr/>
+        <p:nvPr/>
+      </p:nvGrpSpPr>
+      <p:grpSpPr>
+        <a:xfrm>
+          <a:off x="0" y="0"/>
+          <a:ext cx="0" cy="0"/>
+          <a:chOff x="0" y="0"/>
+          <a:chExt cx="0" cy="0"/>
+        </a:xfrm>
+      </p:grpSpPr>
+      <p:pic>
+        <p:nvPicPr>
+          <p:cNvPr id="4" name="Obrázek 3">
+            <a:extLst>
+              <a:ext uri="{FF2B5EF4-FFF2-40B4-BE49-F238E27FC236}">
+                <a16:creationId xmlns:a16="http://schemas.microsoft.com/office/drawing/2014/main" id="{CC1B3E29-3474-4C5A-A449-D70F5B2E47DE}"/>
+              </a:ext>
+            </a:extLst>
+          </p:cNvPr>
+          <p:cNvPicPr>
+            <a:picLocks noChangeAspect="1"/>
+          </p:cNvPicPr>
+          <p:nvPr/>
+        </p:nvPicPr>
+        <p:blipFill>
+          <a:blip r:embed="rId2"/>
+          <a:stretch>
+            <a:fillRect/>
+          </a:stretch>
+        </p:blipFill>
+        <p:spPr>
+          <a:xfrm>
+            <a:off x="2689460" y="622080"/>
+            <a:ext cx="6835541" cy="5632345"/>
+          </a:xfrm>
+          <a:prstGeom prst="rect">
+            <a:avLst/>
+          </a:prstGeom>
+        </p:spPr>
+      </p:pic>
+      <p:sp>
+        <p:nvSpPr>
+          <p:cNvPr id="5" name="Obdélník 4">
+            <a:extLst>
+              <a:ext uri="{FF2B5EF4-FFF2-40B4-BE49-F238E27FC236}">
+                <a16:creationId xmlns:a16="http://schemas.microsoft.com/office/drawing/2014/main" id="{C41666B4-74EC-43EE-BBC3-837C99E93F0E}"/>
+              </a:ext>
+            </a:extLst>
+          </p:cNvPr>
+          <p:cNvSpPr/>
+          <p:nvPr/>
+        </p:nvSpPr>
+        <p:spPr>
+          <a:xfrm>
+            <a:off x="3582840" y="2583360"/>
+            <a:ext cx="1140480" cy="1641600"/>
+          </a:xfrm>
+          <a:prstGeom prst="rect">
+            <a:avLst/>
+          </a:prstGeom>
+          <a:solidFill>
+            <a:schemeClr val="bg1"/>
+          </a:solidFill>
+          <a:ln>
+            <a:solidFill>
+              <a:schemeClr val="bg1"/>
+            </a:solidFill>
+          </a:ln>
+        </p:spPr>
+        <p:style>
+          <a:lnRef idx="2">
+            <a:schemeClr val="accent1">
+              <a:shade val="50000"/>
+            </a:schemeClr>
+          </a:lnRef>
+          <a:fillRef idx="1">
+            <a:schemeClr val="accent1"/>
+          </a:fillRef>
+          <a:effectRef idx="0">
+            <a:schemeClr val="accent1"/>
+          </a:effectRef>
+          <a:fontRef idx="minor">
+            <a:schemeClr val="lt1"/>
+          </a:fontRef>
+        </p:style>
+        <p:txBody>
+          <a:bodyPr rot="0" spcFirstLastPara="0" vertOverflow="overflow" horzOverflow="overflow" vert="horz" wrap="square" lIns="124416" tIns="62208" rIns="124416" bIns="62208" numCol="1" spcCol="0" rtlCol="0" fromWordArt="0" anchor="ctr" anchorCtr="0" forceAA="0" compatLnSpc="1">
+            <a:prstTxWarp prst="textNoShape">
+              <a:avLst/>
+            </a:prstTxWarp>
+            <a:noAutofit/>
+          </a:bodyPr>
+          <a:lstStyle/>
+          <a:p>
+            <a:pPr algn="ctr"/>
+            <a:endParaRPr lang="cs-CZ" sz="2449"/>
+          </a:p>
+        </p:txBody>
+      </p:sp>
+    </p:spTree>
+    <p:extLst>
+      <p:ext uri="{BB962C8B-B14F-4D97-AF65-F5344CB8AC3E}">
+        <p14:creationId xmlns:p14="http://schemas.microsoft.com/office/powerpoint/2010/main" val="3537452828"/>
       </p:ext>
     </p:extLst>
   </p:cSld>
